--- a/Robert Rauschenberg Foundation Archives  _Test Repository Code Examples_ & Instructions.pptx
+++ b/Robert Rauschenberg Foundation Archives  _Test Repository Code Examples_ & Instructions.pptx
@@ -25,28 +25,29 @@
     <p:sldId id="270" r:id="rId20"/>
     <p:sldId id="271" r:id="rId21"/>
     <p:sldId id="272" r:id="rId22"/>
+    <p:sldId id="273" r:id="rId23"/>
   </p:sldIdLst>
   <p:sldSz cy="5143500" cx="9144000"/>
   <p:notesSz cx="6858000" cy="9144000"/>
   <p:embeddedFontLst>
     <p:embeddedFont>
       <p:font typeface="Playfair Display"/>
-      <p:regular r:id="rId23"/>
-      <p:bold r:id="rId24"/>
-      <p:italic r:id="rId25"/>
-      <p:boldItalic r:id="rId26"/>
+      <p:regular r:id="rId24"/>
+      <p:bold r:id="rId25"/>
+      <p:italic r:id="rId26"/>
+      <p:boldItalic r:id="rId27"/>
     </p:embeddedFont>
     <p:embeddedFont>
       <p:font typeface="Montserrat"/>
-      <p:regular r:id="rId27"/>
-      <p:bold r:id="rId28"/>
-      <p:italic r:id="rId29"/>
-      <p:boldItalic r:id="rId30"/>
+      <p:regular r:id="rId28"/>
+      <p:bold r:id="rId29"/>
+      <p:italic r:id="rId30"/>
+      <p:boldItalic r:id="rId31"/>
     </p:embeddedFont>
     <p:embeddedFont>
       <p:font typeface="Oswald"/>
-      <p:regular r:id="rId31"/>
-      <p:bold r:id="rId32"/>
+      <p:regular r:id="rId32"/>
+      <p:bold r:id="rId33"/>
     </p:embeddedFont>
   </p:embeddedFontLst>
   <p:defaultTextStyle>
@@ -1568,6 +1569,105 @@
       <p:sp>
         <p:nvSpPr>
           <p:cNvPr id="166" name="Google Shape;166;g592da8b9a0_0_159:notes"/>
+          <p:cNvSpPr txBox="1"/>
+          <p:nvPr>
+            <p:ph idx="1" type="body"/>
+          </p:nvPr>
+        </p:nvSpPr>
+        <p:spPr>
+          <a:xfrm>
+            <a:off x="685800" y="4343400"/>
+            <a:ext cx="5486400" cy="4114800"/>
+          </a:xfrm>
+          <a:prstGeom prst="rect">
+            <a:avLst/>
+          </a:prstGeom>
+        </p:spPr>
+        <p:txBody>
+          <a:bodyPr anchorCtr="0" anchor="t" bIns="91425" lIns="91425" spcFirstLastPara="1" rIns="91425" wrap="square" tIns="91425">
+            <a:noAutofit/>
+          </a:bodyPr>
+          <a:lstStyle/>
+          <a:p>
+            <a:pPr indent="0" lvl="0" marL="0" rtl="0" algn="l">
+              <a:spcBef>
+                <a:spcPts val="0"/>
+              </a:spcBef>
+              <a:spcAft>
+                <a:spcPts val="0"/>
+              </a:spcAft>
+              <a:buNone/>
+            </a:pPr>
+            <a:r>
+              <a:t/>
+            </a:r>
+            <a:endParaRPr/>
+          </a:p>
+        </p:txBody>
+      </p:sp>
+    </p:spTree>
+  </p:cSld>
+  <p:clrMapOvr>
+    <a:masterClrMapping/>
+  </p:clrMapOvr>
+</p:notes>
+</file>
+
+<file path=ppt/notesSlides/notesSlide18.xml><?xml version="1.0" encoding="utf-8"?>
+<p:notes xmlns:a="http://schemas.openxmlformats.org/drawingml/2006/main" xmlns:r="http://schemas.openxmlformats.org/officeDocument/2006/relationships" xmlns:mc="http://schemas.openxmlformats.org/markup-compatibility/2006" xmlns:mv="urn:schemas-microsoft-com:mac:vml" xmlns:p="http://schemas.openxmlformats.org/presentationml/2006/main" xmlns:c="http://schemas.openxmlformats.org/drawingml/2006/chart" xmlns:dgm="http://schemas.openxmlformats.org/drawingml/2006/diagram" xmlns:o="urn:schemas-microsoft-com:office:office" xmlns:v="urn:schemas-microsoft-com:vml" xmlns:pvml="urn:schemas-microsoft-com:office:powerpoint" xmlns:com="http://schemas.openxmlformats.org/drawingml/2006/compatibility" xmlns:p14="http://schemas.microsoft.com/office/powerpoint/2010/main" xmlns:p15="http://schemas.microsoft.com/office/powerpoint/2012/main" showMasterPhAnim="0" showMasterSp="0">
+  <p:cSld>
+    <p:spTree>
+      <p:nvGrpSpPr>
+        <p:cNvPr id="170" name="Shape 170"/>
+        <p:cNvGrpSpPr/>
+        <p:nvPr/>
+      </p:nvGrpSpPr>
+      <p:grpSpPr>
+        <a:xfrm>
+          <a:off x="0" y="0"/>
+          <a:ext cx="0" cy="0"/>
+          <a:chOff x="0" y="0"/>
+          <a:chExt cx="0" cy="0"/>
+        </a:xfrm>
+      </p:grpSpPr>
+      <p:sp>
+        <p:nvSpPr>
+          <p:cNvPr id="171" name="Google Shape;171;g592da8b9a0_0_164:notes"/>
+          <p:cNvSpPr/>
+          <p:nvPr>
+            <p:ph idx="2" type="sldImg"/>
+          </p:nvPr>
+        </p:nvSpPr>
+        <p:spPr>
+          <a:xfrm>
+            <a:off x="381300" y="685800"/>
+            <a:ext cx="6096000" cy="3429000"/>
+          </a:xfrm>
+          <a:custGeom>
+            <a:rect b="b" l="l" r="r" t="t"/>
+            <a:pathLst>
+              <a:path extrusionOk="0" h="120000" w="120000">
+                <a:moveTo>
+                  <a:pt x="0" y="0"/>
+                </a:moveTo>
+                <a:lnTo>
+                  <a:pt x="120000" y="0"/>
+                </a:lnTo>
+                <a:lnTo>
+                  <a:pt x="120000" y="120000"/>
+                </a:lnTo>
+                <a:lnTo>
+                  <a:pt x="0" y="120000"/>
+                </a:lnTo>
+                <a:close/>
+              </a:path>
+            </a:pathLst>
+          </a:custGeom>
+        </p:spPr>
+      </p:sp>
+      <p:sp>
+        <p:nvSpPr>
+          <p:cNvPr id="172" name="Google Shape;172;g592da8b9a0_0_164:notes"/>
           <p:cNvSpPr txBox="1"/>
           <p:nvPr>
             <p:ph idx="1" type="body"/>
@@ -9156,6 +9256,186 @@
 </p:sld>
 </file>
 
+<file path=ppt/slides/slide18.xml><?xml version="1.0" encoding="utf-8"?>
+<p:sld xmlns:a="http://schemas.openxmlformats.org/drawingml/2006/main" xmlns:r="http://schemas.openxmlformats.org/officeDocument/2006/relationships" xmlns:mc="http://schemas.openxmlformats.org/markup-compatibility/2006" xmlns:mv="urn:schemas-microsoft-com:mac:vml" xmlns:p="http://schemas.openxmlformats.org/presentationml/2006/main" xmlns:c="http://schemas.openxmlformats.org/drawingml/2006/chart" xmlns:dgm="http://schemas.openxmlformats.org/drawingml/2006/diagram" xmlns:o="urn:schemas-microsoft-com:office:office" xmlns:v="urn:schemas-microsoft-com:vml" xmlns:pvml="urn:schemas-microsoft-com:office:powerpoint" xmlns:com="http://schemas.openxmlformats.org/drawingml/2006/compatibility" xmlns:p14="http://schemas.microsoft.com/office/powerpoint/2010/main" xmlns:p15="http://schemas.microsoft.com/office/powerpoint/2012/main">
+  <p:cSld>
+    <p:spTree>
+      <p:nvGrpSpPr>
+        <p:cNvPr id="173" name="Shape 173"/>
+        <p:cNvGrpSpPr/>
+        <p:nvPr/>
+      </p:nvGrpSpPr>
+      <p:grpSpPr>
+        <a:xfrm>
+          <a:off x="0" y="0"/>
+          <a:ext cx="0" cy="0"/>
+          <a:chOff x="0" y="0"/>
+          <a:chExt cx="0" cy="0"/>
+        </a:xfrm>
+      </p:grpSpPr>
+      <p:sp>
+        <p:nvSpPr>
+          <p:cNvPr id="174" name="Google Shape;174;p30"/>
+          <p:cNvSpPr txBox="1"/>
+          <p:nvPr>
+            <p:ph type="title"/>
+          </p:nvPr>
+        </p:nvSpPr>
+        <p:spPr>
+          <a:xfrm>
+            <a:off x="311700" y="445025"/>
+            <a:ext cx="8520600" cy="572700"/>
+          </a:xfrm>
+          <a:prstGeom prst="rect">
+            <a:avLst/>
+          </a:prstGeom>
+        </p:spPr>
+        <p:txBody>
+          <a:bodyPr anchorCtr="0" anchor="t" bIns="91425" lIns="91425" spcFirstLastPara="1" rIns="91425" wrap="square" tIns="91425">
+            <a:noAutofit/>
+          </a:bodyPr>
+          <a:lstStyle/>
+          <a:p>
+            <a:pPr indent="0" lvl="0" marL="0" rtl="0" algn="l">
+              <a:spcBef>
+                <a:spcPts val="0"/>
+              </a:spcBef>
+              <a:spcAft>
+                <a:spcPts val="0"/>
+              </a:spcAft>
+              <a:buNone/>
+            </a:pPr>
+            <a:r>
+              <a:rPr lang="en"/>
+              <a:t>Helpful Links	</a:t>
+            </a:r>
+            <a:endParaRPr/>
+          </a:p>
+        </p:txBody>
+      </p:sp>
+      <p:sp>
+        <p:nvSpPr>
+          <p:cNvPr id="175" name="Google Shape;175;p30"/>
+          <p:cNvSpPr txBox="1"/>
+          <p:nvPr>
+            <p:ph idx="1" type="body"/>
+          </p:nvPr>
+        </p:nvSpPr>
+        <p:spPr>
+          <a:xfrm>
+            <a:off x="311700" y="1234075"/>
+            <a:ext cx="8520600" cy="3334800"/>
+          </a:xfrm>
+          <a:prstGeom prst="rect">
+            <a:avLst/>
+          </a:prstGeom>
+        </p:spPr>
+        <p:txBody>
+          <a:bodyPr anchorCtr="0" anchor="t" bIns="91425" lIns="91425" spcFirstLastPara="1" rIns="91425" wrap="square" tIns="91425">
+            <a:noAutofit/>
+          </a:bodyPr>
+          <a:lstStyle/>
+          <a:p>
+            <a:pPr indent="0" lvl="0" marL="0" rtl="0" algn="l">
+              <a:spcBef>
+                <a:spcPts val="0"/>
+              </a:spcBef>
+              <a:spcAft>
+                <a:spcPts val="0"/>
+              </a:spcAft>
+              <a:buNone/>
+            </a:pPr>
+            <a:r>
+              <a:rPr lang="en"/>
+              <a:t>Lastly - some helpful links for Python</a:t>
+            </a:r>
+            <a:endParaRPr/>
+          </a:p>
+          <a:p>
+            <a:pPr indent="0" lvl="0" marL="0" rtl="0" algn="l">
+              <a:spcBef>
+                <a:spcPts val="1600"/>
+              </a:spcBef>
+              <a:spcAft>
+                <a:spcPts val="0"/>
+              </a:spcAft>
+              <a:buNone/>
+            </a:pPr>
+            <a:r>
+              <a:rPr lang="en" u="sng">
+                <a:solidFill>
+                  <a:schemeClr val="hlink"/>
+                </a:solidFill>
+                <a:latin typeface="Arial"/>
+                <a:ea typeface="Arial"/>
+                <a:cs typeface="Arial"/>
+                <a:sym typeface="Arial"/>
+                <a:hlinkClick r:id="rId3"/>
+              </a:rPr>
+              <a:t>https://wiki.python.org/moin/ForLoop</a:t>
+            </a:r>
+            <a:endParaRPr/>
+          </a:p>
+          <a:p>
+            <a:pPr indent="0" lvl="0" marL="0" rtl="0" algn="l">
+              <a:spcBef>
+                <a:spcPts val="1600"/>
+              </a:spcBef>
+              <a:spcAft>
+                <a:spcPts val="0"/>
+              </a:spcAft>
+              <a:buNone/>
+            </a:pPr>
+            <a:r>
+              <a:rPr lang="en" u="sng">
+                <a:solidFill>
+                  <a:schemeClr val="hlink"/>
+                </a:solidFill>
+                <a:latin typeface="Arial"/>
+                <a:ea typeface="Arial"/>
+                <a:cs typeface="Arial"/>
+                <a:sym typeface="Arial"/>
+                <a:hlinkClick r:id="rId4"/>
+              </a:rPr>
+              <a:t>https://docs.python.org/3.7/library/csv.html</a:t>
+            </a:r>
+            <a:endParaRPr/>
+          </a:p>
+          <a:p>
+            <a:pPr indent="0" lvl="0" marL="0" rtl="0" algn="l">
+              <a:spcBef>
+                <a:spcPts val="1600"/>
+              </a:spcBef>
+              <a:spcAft>
+                <a:spcPts val="1600"/>
+              </a:spcAft>
+              <a:buNone/>
+            </a:pPr>
+            <a:r>
+              <a:rPr lang="en" u="sng">
+                <a:solidFill>
+                  <a:schemeClr val="hlink"/>
+                </a:solidFill>
+                <a:latin typeface="Arial"/>
+                <a:ea typeface="Arial"/>
+                <a:cs typeface="Arial"/>
+                <a:sym typeface="Arial"/>
+                <a:hlinkClick r:id="rId5"/>
+              </a:rPr>
+              <a:t>https://docs.python.org/3/library/re.html</a:t>
+            </a:r>
+            <a:endParaRPr/>
+          </a:p>
+        </p:txBody>
+      </p:sp>
+    </p:spTree>
+  </p:cSld>
+  <p:clrMapOvr>
+    <a:masterClrMapping/>
+  </p:clrMapOvr>
+</p:sld>
+</file>
+
 <file path=ppt/slides/slide2.xml><?xml version="1.0" encoding="utf-8"?>
 <p:sld xmlns:a="http://schemas.openxmlformats.org/drawingml/2006/main" xmlns:r="http://schemas.openxmlformats.org/officeDocument/2006/relationships" xmlns:mc="http://schemas.openxmlformats.org/markup-compatibility/2006" xmlns:mv="urn:schemas-microsoft-com:mac:vml" xmlns:p="http://schemas.openxmlformats.org/presentationml/2006/main" xmlns:c="http://schemas.openxmlformats.org/drawingml/2006/chart" xmlns:dgm="http://schemas.openxmlformats.org/drawingml/2006/diagram" xmlns:o="urn:schemas-microsoft-com:office:office" xmlns:v="urn:schemas-microsoft-com:vml" xmlns:pvml="urn:schemas-microsoft-com:office:powerpoint" xmlns:com="http://schemas.openxmlformats.org/drawingml/2006/compatibility" xmlns:p14="http://schemas.microsoft.com/office/powerpoint/2010/main" xmlns:p15="http://schemas.microsoft.com/office/powerpoint/2012/main">
   <p:cSld>

--- a/Robert Rauschenberg Foundation Archives  _Test Repository Code Examples_ & Instructions.pptx
+++ b/Robert Rauschenberg Foundation Archives  _Test Repository Code Examples_ & Instructions.pptx
@@ -8048,7 +8048,7 @@
             </a:pPr>
             <a:r>
               <a:rPr lang="en" sz="3000"/>
-              <a:t>~Test Repository Code Examples~</a:t>
+              <a:t>~Test-Repository Finding Aid Code~</a:t>
             </a:r>
             <a:endParaRPr sz="3000"/>
           </a:p>
@@ -8064,7 +8064,7 @@
             </a:pPr>
             <a:r>
               <a:rPr lang="en" sz="3000"/>
-              <a:t>&amp; Instructions</a:t>
+              <a:t>Examples &amp; Instructions</a:t>
             </a:r>
             <a:endParaRPr sz="3000"/>
           </a:p>
@@ -8104,7 +8104,7 @@
             </a:pPr>
             <a:r>
               <a:rPr lang="en"/>
-              <a:t>Convert EAD XML to CSV using Python and Terminal</a:t>
+              <a:t>EAD XML to CSV Conversion using Python and Terminal</a:t>
             </a:r>
             <a:endParaRPr/>
           </a:p>
@@ -9544,7 +9544,7 @@
             </a:pPr>
             <a:r>
               <a:rPr lang="en"/>
-              <a:t>This project is in response to the Robert Rauschenberg Foundation’s Archives (RRFA) request for a CSV finding aid to facilitate shipping of materials for digitization and storage.</a:t>
+              <a:t>This project is in response to the Robert Rauschenberg Foundation’s Archives (RRFA) request for a CSV formatted finding aid to facilitate shipping of materials for digitization and storage.</a:t>
             </a:r>
             <a:endParaRPr/>
           </a:p>
@@ -9560,7 +9560,7 @@
             </a:pPr>
             <a:r>
               <a:rPr lang="en"/>
-              <a:t>The EAD XML file used for this conversion is an export from ArchivesSpace, which is the CMS used by RRFA. The XML documents supplied by RRFA are selections of series RRFA01 – Rauschenberg Papers and RRFA02 – Audio Visual </a:t>
+              <a:t>The EAD XML finding aid used for this conversion is an export from ArchivesSpace. The finding aids are selections from collections RRFA01 – Rauschenberg Papers and RRFA02 – Audiovisual.</a:t>
             </a:r>
             <a:endParaRPr/>
           </a:p>
@@ -9735,7 +9735,7 @@
             </a:pPr>
             <a:r>
               <a:rPr lang="en"/>
-              <a:t>Installation of Python3</a:t>
+              <a:t>Installation of Python3;</a:t>
             </a:r>
             <a:endParaRPr/>
           </a:p>
@@ -9751,7 +9751,11 @@
             </a:pPr>
             <a:r>
               <a:rPr lang="en"/>
-              <a:t>Knowledge some basic command line tools and navigation</a:t>
+              <a:t>Some</a:t>
+            </a:r>
+            <a:r>
+              <a:rPr lang="en"/>
+              <a:t> knowledge of command line tools &amp; navigation;</a:t>
             </a:r>
             <a:endParaRPr/>
           </a:p>
@@ -9767,7 +9771,7 @@
             </a:pPr>
             <a:r>
               <a:rPr lang="en"/>
-              <a:t>	A text editor for coding</a:t>
+              <a:t>	And a text editor for coding.</a:t>
             </a:r>
             <a:endParaRPr/>
           </a:p>
@@ -9783,7 +9787,7 @@
             </a:pPr>
             <a:r>
               <a:rPr lang="en"/>
-              <a:t>This script uses for loops, a python dictionary, and the following modules: </a:t>
+              <a:t>This script uses “for” loops, a python dictionary, and the following modules: </a:t>
             </a:r>
             <a:endParaRPr/>
           </a:p>
@@ -9940,14 +9944,10 @@
               <a:buNone/>
             </a:pPr>
             <a:r>
-              <a:rPr lang="en"/>
-              <a:t>Save your XML EAD file and your Python file (code in the text editor) in the same folder on your computer.</a:t>
+              <a:rPr lang="en" sz="1600"/>
+              <a:t>Save your XML EAD file and your Python file (code from the text editor) in the same folder on your computer. These are the first steps for the code. The yellow address in quotes ‘’ is the name of the xml finding aid. It must be exact. Grey text following the # sign are comments (in this case, instructions) and will not affect the code.</a:t>
             </a:r>
-            <a:r>
-              <a:rPr lang="en" sz="1600"/>
-              <a:t> These are the first steps for the code. The yellow address in the ‘’ is the name of the xml finding aid. It must be exact. Grey text following the # sign are comments (in this case, instructions) and will not affect the code.</a:t>
-            </a:r>
-            <a:endParaRPr/>
+            <a:endParaRPr sz="1600"/>
           </a:p>
         </p:txBody>
       </p:sp>
@@ -10440,7 +10440,7 @@
             </a:pPr>
             <a:r>
               <a:rPr lang="en"/>
-              <a:t>As you see from the comment on line 18 - you need to find the child elements of EAD to find the fields we want to eventually write in the CSV.</a:t>
+              <a:t>As you see from the comment on line 18 - you need to find the root and then child elements of EAD to find the fields we want to eventually write in the CSV.</a:t>
             </a:r>
             <a:endParaRPr/>
           </a:p>
@@ -10773,6 +10773,285 @@
 </file>
 
 <file path=ppt/theme/theme1.xml><?xml version="1.0" encoding="utf-8"?>
+<a:theme xmlns:a="http://schemas.openxmlformats.org/drawingml/2006/main" xmlns:r="http://schemas.openxmlformats.org/officeDocument/2006/relationships">
+  <a:themeElements>
+    <a:clrScheme name="Default">
+      <a:dk1>
+        <a:srgbClr val="000000"/>
+      </a:dk1>
+      <a:lt1>
+        <a:srgbClr val="FFFFFF"/>
+      </a:lt1>
+      <a:dk2>
+        <a:srgbClr val="158158"/>
+      </a:dk2>
+      <a:lt2>
+        <a:srgbClr val="F3F3F3"/>
+      </a:lt2>
+      <a:accent1>
+        <a:srgbClr val="058DC7"/>
+      </a:accent1>
+      <a:accent2>
+        <a:srgbClr val="50B432"/>
+      </a:accent2>
+      <a:accent3>
+        <a:srgbClr val="ED561B"/>
+      </a:accent3>
+      <a:accent4>
+        <a:srgbClr val="EDEF00"/>
+      </a:accent4>
+      <a:accent5>
+        <a:srgbClr val="24CBE5"/>
+      </a:accent5>
+      <a:accent6>
+        <a:srgbClr val="64E572"/>
+      </a:accent6>
+      <a:hlink>
+        <a:srgbClr val="2200CC"/>
+      </a:hlink>
+      <a:folHlink>
+        <a:srgbClr val="551A8B"/>
+      </a:folHlink>
+    </a:clrScheme>
+    <a:fontScheme name="Office">
+      <a:majorFont>
+        <a:latin typeface="Arial"/>
+        <a:ea typeface=""/>
+        <a:cs typeface=""/>
+        <a:font script="Jpan" typeface="ＭＳ Ｐゴシック"/>
+        <a:font script="Hang" typeface="맑은 고딕"/>
+        <a:font script="Hans" typeface="宋体"/>
+        <a:font script="Hant" typeface="新細明體"/>
+        <a:font script="Arab" typeface="Times New Roman"/>
+        <a:font script="Hebr" typeface="Times New Roman"/>
+        <a:font script="Thai" typeface="Angsana New"/>
+        <a:font script="Ethi" typeface="Nyala"/>
+        <a:font script="Beng" typeface="Vrinda"/>
+        <a:font script="Gujr" typeface="Shruti"/>
+        <a:font script="Khmr" typeface="MoolBoran"/>
+        <a:font script="Knda" typeface="Tunga"/>
+        <a:font script="Guru" typeface="Raavi"/>
+        <a:font script="Cans" typeface="Euphemia"/>
+        <a:font script="Cher" typeface="Plantagenet Cherokee"/>
+        <a:font script="Yiii" typeface="Microsoft Yi Baiti"/>
+        <a:font script="Tibt" typeface="Microsoft Himalaya"/>
+        <a:font script="Thaa" typeface="MV Boli"/>
+        <a:font script="Deva" typeface="Mangal"/>
+        <a:font script="Telu" typeface="Gautami"/>
+        <a:font script="Taml" typeface="Latha"/>
+        <a:font script="Syrc" typeface="Estrangelo Edessa"/>
+        <a:font script="Orya" typeface="Kalinga"/>
+        <a:font script="Mlym" typeface="Kartika"/>
+        <a:font script="Laoo" typeface="DokChampa"/>
+        <a:font script="Sinh" typeface="Iskoola Pota"/>
+        <a:font script="Mong" typeface="Mongolian Baiti"/>
+        <a:font script="Viet" typeface="Times New Roman"/>
+        <a:font script="Uigh" typeface="Microsoft Uighur"/>
+        <a:font script="Geor" typeface="Sylfaen"/>
+      </a:majorFont>
+      <a:minorFont>
+        <a:latin typeface="Arial"/>
+        <a:ea typeface=""/>
+        <a:cs typeface=""/>
+        <a:font script="Jpan" typeface="ＭＳ Ｐゴシック"/>
+        <a:font script="Hang" typeface="맑은 고딕"/>
+        <a:font script="Hans" typeface="宋体"/>
+        <a:font script="Hant" typeface="新細明體"/>
+        <a:font script="Arab" typeface="Arial"/>
+        <a:font script="Hebr" typeface="Arial"/>
+        <a:font script="Thai" typeface="Cordia New"/>
+        <a:font script="Ethi" typeface="Nyala"/>
+        <a:font script="Beng" typeface="Vrinda"/>
+        <a:font script="Gujr" typeface="Shruti"/>
+        <a:font script="Khmr" typeface="DaunPenh"/>
+        <a:font script="Knda" typeface="Tunga"/>
+        <a:font script="Guru" typeface="Raavi"/>
+        <a:font script="Cans" typeface="Euphemia"/>
+        <a:font script="Cher" typeface="Plantagenet Cherokee"/>
+        <a:font script="Yiii" typeface="Microsoft Yi Baiti"/>
+        <a:font script="Tibt" typeface="Microsoft Himalaya"/>
+        <a:font script="Thaa" typeface="MV Boli"/>
+        <a:font script="Deva" typeface="Mangal"/>
+        <a:font script="Telu" typeface="Gautami"/>
+        <a:font script="Taml" typeface="Latha"/>
+        <a:font script="Syrc" typeface="Estrangelo Edessa"/>
+        <a:font script="Orya" typeface="Kalinga"/>
+        <a:font script="Mlym" typeface="Kartika"/>
+        <a:font script="Laoo" typeface="DokChampa"/>
+        <a:font script="Sinh" typeface="Iskoola Pota"/>
+        <a:font script="Mong" typeface="Mongolian Baiti"/>
+        <a:font script="Viet" typeface="Arial"/>
+        <a:font script="Uigh" typeface="Microsoft Uighur"/>
+        <a:font script="Geor" typeface="Sylfaen"/>
+      </a:minorFont>
+    </a:fontScheme>
+    <a:fmtScheme name="Office">
+      <a:fillStyleLst>
+        <a:solidFill>
+          <a:schemeClr val="phClr"/>
+        </a:solidFill>
+        <a:gradFill rotWithShape="1">
+          <a:gsLst>
+            <a:gs pos="0">
+              <a:schemeClr val="phClr">
+                <a:tint val="50000"/>
+                <a:satMod val="300000"/>
+              </a:schemeClr>
+            </a:gs>
+            <a:gs pos="35000">
+              <a:schemeClr val="phClr">
+                <a:tint val="37000"/>
+                <a:satMod val="300000"/>
+              </a:schemeClr>
+            </a:gs>
+            <a:gs pos="100000">
+              <a:schemeClr val="phClr">
+                <a:tint val="15000"/>
+                <a:satMod val="350000"/>
+              </a:schemeClr>
+            </a:gs>
+          </a:gsLst>
+          <a:lin ang="16200000" scaled="1"/>
+        </a:gradFill>
+        <a:gradFill rotWithShape="1">
+          <a:gsLst>
+            <a:gs pos="0">
+              <a:schemeClr val="phClr">
+                <a:tint val="100000"/>
+                <a:shade val="100000"/>
+                <a:satMod val="130000"/>
+              </a:schemeClr>
+            </a:gs>
+            <a:gs pos="100000">
+              <a:schemeClr val="phClr">
+                <a:tint val="50000"/>
+                <a:shade val="100000"/>
+                <a:satMod val="350000"/>
+              </a:schemeClr>
+            </a:gs>
+          </a:gsLst>
+          <a:lin ang="16200000" scaled="0"/>
+        </a:gradFill>
+      </a:fillStyleLst>
+      <a:lnStyleLst>
+        <a:ln w="9525" cap="flat" cmpd="sng" algn="ctr">
+          <a:solidFill>
+            <a:schemeClr val="phClr">
+              <a:shade val="95000"/>
+              <a:satMod val="105000"/>
+            </a:schemeClr>
+          </a:solidFill>
+          <a:prstDash val="solid"/>
+        </a:ln>
+        <a:ln w="25400" cap="flat" cmpd="sng" algn="ctr">
+          <a:solidFill>
+            <a:schemeClr val="phClr"/>
+          </a:solidFill>
+          <a:prstDash val="solid"/>
+        </a:ln>
+        <a:ln w="38100" cap="flat" cmpd="sng" algn="ctr">
+          <a:solidFill>
+            <a:schemeClr val="phClr"/>
+          </a:solidFill>
+          <a:prstDash val="solid"/>
+        </a:ln>
+      </a:lnStyleLst>
+      <a:effectStyleLst>
+        <a:effectStyle>
+          <a:effectLst>
+            <a:outerShdw blurRad="40000" dist="20000" dir="5400000" rotWithShape="0">
+              <a:srgbClr val="000000">
+                <a:alpha val="38000"/>
+              </a:srgbClr>
+            </a:outerShdw>
+          </a:effectLst>
+        </a:effectStyle>
+        <a:effectStyle>
+          <a:effectLst>
+            <a:outerShdw blurRad="40000" dist="23000" dir="5400000" rotWithShape="0">
+              <a:srgbClr val="000000">
+                <a:alpha val="35000"/>
+              </a:srgbClr>
+            </a:outerShdw>
+          </a:effectLst>
+        </a:effectStyle>
+        <a:effectStyle>
+          <a:effectLst>
+            <a:outerShdw blurRad="40000" dist="23000" dir="5400000" rotWithShape="0">
+              <a:srgbClr val="000000">
+                <a:alpha val="35000"/>
+              </a:srgbClr>
+            </a:outerShdw>
+          </a:effectLst>
+          <a:scene3d>
+            <a:camera prst="orthographicFront">
+              <a:rot lat="0" lon="0" rev="0"/>
+            </a:camera>
+            <a:lightRig rig="threePt" dir="t">
+              <a:rot lat="0" lon="0" rev="1200000"/>
+            </a:lightRig>
+          </a:scene3d>
+          <a:sp3d>
+            <a:bevelT w="63500" h="25400"/>
+          </a:sp3d>
+        </a:effectStyle>
+      </a:effectStyleLst>
+      <a:bgFillStyleLst>
+        <a:solidFill>
+          <a:schemeClr val="phClr"/>
+        </a:solidFill>
+        <a:gradFill rotWithShape="1">
+          <a:gsLst>
+            <a:gs pos="0">
+              <a:schemeClr val="phClr">
+                <a:tint val="40000"/>
+                <a:satMod val="350000"/>
+              </a:schemeClr>
+            </a:gs>
+            <a:gs pos="40000">
+              <a:schemeClr val="phClr">
+                <a:tint val="45000"/>
+                <a:shade val="99000"/>
+                <a:satMod val="350000"/>
+              </a:schemeClr>
+            </a:gs>
+            <a:gs pos="100000">
+              <a:schemeClr val="phClr">
+                <a:shade val="20000"/>
+                <a:satMod val="255000"/>
+              </a:schemeClr>
+            </a:gs>
+          </a:gsLst>
+          <a:path path="circle">
+            <a:fillToRect l="50000" t="-80000" r="50000" b="180000"/>
+          </a:path>
+        </a:gradFill>
+        <a:gradFill rotWithShape="1">
+          <a:gsLst>
+            <a:gs pos="0">
+              <a:schemeClr val="phClr">
+                <a:tint val="80000"/>
+                <a:satMod val="300000"/>
+              </a:schemeClr>
+            </a:gs>
+            <a:gs pos="100000">
+              <a:schemeClr val="phClr">
+                <a:shade val="30000"/>
+                <a:satMod val="200000"/>
+              </a:schemeClr>
+            </a:gs>
+          </a:gsLst>
+          <a:path path="circle">
+            <a:fillToRect l="50000" t="50000" r="50000" b="50000"/>
+          </a:path>
+        </a:gradFill>
+      </a:bgFillStyleLst>
+    </a:fmtScheme>
+  </a:themeElements>
+</a:theme>
+</file>
+
+<file path=ppt/theme/theme2.xml><?xml version="1.0" encoding="utf-8"?>
 <a:theme xmlns:a="http://schemas.openxmlformats.org/drawingml/2006/main" xmlns:r="http://schemas.openxmlformats.org/officeDocument/2006/relationships" name="Pop">
   <a:themeElements>
     <a:clrScheme name="Pop">
@@ -11049,283 +11328,4 @@
     </a:fmtScheme>
   </a:themeElements>
 </a:theme>
-</file>
-
-<file path=ppt/theme/theme2.xml><?xml version="1.0" encoding="utf-8"?>
-<a:theme xmlns:a="http://schemas.openxmlformats.org/drawingml/2006/main" xmlns:r="http://schemas.openxmlformats.org/officeDocument/2006/relationships">
-  <a:themeElements>
-    <a:clrScheme name="Default">
-      <a:dk1>
-        <a:srgbClr val="000000"/>
-      </a:dk1>
-      <a:lt1>
-        <a:srgbClr val="FFFFFF"/>
-      </a:lt1>
-      <a:dk2>
-        <a:srgbClr val="158158"/>
-      </a:dk2>
-      <a:lt2>
-        <a:srgbClr val="F3F3F3"/>
-      </a:lt2>
-      <a:accent1>
-        <a:srgbClr val="058DC7"/>
-      </a:accent1>
-      <a:accent2>
-        <a:srgbClr val="50B432"/>
-      </a:accent2>
-      <a:accent3>
-        <a:srgbClr val="ED561B"/>
-      </a:accent3>
-      <a:accent4>
-        <a:srgbClr val="EDEF00"/>
-      </a:accent4>
-      <a:accent5>
-        <a:srgbClr val="24CBE5"/>
-      </a:accent5>
-      <a:accent6>
-        <a:srgbClr val="64E572"/>
-      </a:accent6>
-      <a:hlink>
-        <a:srgbClr val="2200CC"/>
-      </a:hlink>
-      <a:folHlink>
-        <a:srgbClr val="551A8B"/>
-      </a:folHlink>
-    </a:clrScheme>
-    <a:fontScheme name="Office">
-      <a:majorFont>
-        <a:latin typeface="Arial"/>
-        <a:ea typeface=""/>
-        <a:cs typeface=""/>
-        <a:font script="Jpan" typeface="ＭＳ Ｐゴシック"/>
-        <a:font script="Hang" typeface="맑은 고딕"/>
-        <a:font script="Hans" typeface="宋体"/>
-        <a:font script="Hant" typeface="新細明體"/>
-        <a:font script="Arab" typeface="Times New Roman"/>
-        <a:font script="Hebr" typeface="Times New Roman"/>
-        <a:font script="Thai" typeface="Angsana New"/>
-        <a:font script="Ethi" typeface="Nyala"/>
-        <a:font script="Beng" typeface="Vrinda"/>
-        <a:font script="Gujr" typeface="Shruti"/>
-        <a:font script="Khmr" typeface="MoolBoran"/>
-        <a:font script="Knda" typeface="Tunga"/>
-        <a:font script="Guru" typeface="Raavi"/>
-        <a:font script="Cans" typeface="Euphemia"/>
-        <a:font script="Cher" typeface="Plantagenet Cherokee"/>
-        <a:font script="Yiii" typeface="Microsoft Yi Baiti"/>
-        <a:font script="Tibt" typeface="Microsoft Himalaya"/>
-        <a:font script="Thaa" typeface="MV Boli"/>
-        <a:font script="Deva" typeface="Mangal"/>
-        <a:font script="Telu" typeface="Gautami"/>
-        <a:font script="Taml" typeface="Latha"/>
-        <a:font script="Syrc" typeface="Estrangelo Edessa"/>
-        <a:font script="Orya" typeface="Kalinga"/>
-        <a:font script="Mlym" typeface="Kartika"/>
-        <a:font script="Laoo" typeface="DokChampa"/>
-        <a:font script="Sinh" typeface="Iskoola Pota"/>
-        <a:font script="Mong" typeface="Mongolian Baiti"/>
-        <a:font script="Viet" typeface="Times New Roman"/>
-        <a:font script="Uigh" typeface="Microsoft Uighur"/>
-        <a:font script="Geor" typeface="Sylfaen"/>
-      </a:majorFont>
-      <a:minorFont>
-        <a:latin typeface="Arial"/>
-        <a:ea typeface=""/>
-        <a:cs typeface=""/>
-        <a:font script="Jpan" typeface="ＭＳ Ｐゴシック"/>
-        <a:font script="Hang" typeface="맑은 고딕"/>
-        <a:font script="Hans" typeface="宋体"/>
-        <a:font script="Hant" typeface="新細明體"/>
-        <a:font script="Arab" typeface="Arial"/>
-        <a:font script="Hebr" typeface="Arial"/>
-        <a:font script="Thai" typeface="Cordia New"/>
-        <a:font script="Ethi" typeface="Nyala"/>
-        <a:font script="Beng" typeface="Vrinda"/>
-        <a:font script="Gujr" typeface="Shruti"/>
-        <a:font script="Khmr" typeface="DaunPenh"/>
-        <a:font script="Knda" typeface="Tunga"/>
-        <a:font script="Guru" typeface="Raavi"/>
-        <a:font script="Cans" typeface="Euphemia"/>
-        <a:font script="Cher" typeface="Plantagenet Cherokee"/>
-        <a:font script="Yiii" typeface="Microsoft Yi Baiti"/>
-        <a:font script="Tibt" typeface="Microsoft Himalaya"/>
-        <a:font script="Thaa" typeface="MV Boli"/>
-        <a:font script="Deva" typeface="Mangal"/>
-        <a:font script="Telu" typeface="Gautami"/>
-        <a:font script="Taml" typeface="Latha"/>
-        <a:font script="Syrc" typeface="Estrangelo Edessa"/>
-        <a:font script="Orya" typeface="Kalinga"/>
-        <a:font script="Mlym" typeface="Kartika"/>
-        <a:font script="Laoo" typeface="DokChampa"/>
-        <a:font script="Sinh" typeface="Iskoola Pota"/>
-        <a:font script="Mong" typeface="Mongolian Baiti"/>
-        <a:font script="Viet" typeface="Arial"/>
-        <a:font script="Uigh" typeface="Microsoft Uighur"/>
-        <a:font script="Geor" typeface="Sylfaen"/>
-      </a:minorFont>
-    </a:fontScheme>
-    <a:fmtScheme name="Office">
-      <a:fillStyleLst>
-        <a:solidFill>
-          <a:schemeClr val="phClr"/>
-        </a:solidFill>
-        <a:gradFill rotWithShape="1">
-          <a:gsLst>
-            <a:gs pos="0">
-              <a:schemeClr val="phClr">
-                <a:tint val="50000"/>
-                <a:satMod val="300000"/>
-              </a:schemeClr>
-            </a:gs>
-            <a:gs pos="35000">
-              <a:schemeClr val="phClr">
-                <a:tint val="37000"/>
-                <a:satMod val="300000"/>
-              </a:schemeClr>
-            </a:gs>
-            <a:gs pos="100000">
-              <a:schemeClr val="phClr">
-                <a:tint val="15000"/>
-                <a:satMod val="350000"/>
-              </a:schemeClr>
-            </a:gs>
-          </a:gsLst>
-          <a:lin ang="16200000" scaled="1"/>
-        </a:gradFill>
-        <a:gradFill rotWithShape="1">
-          <a:gsLst>
-            <a:gs pos="0">
-              <a:schemeClr val="phClr">
-                <a:tint val="100000"/>
-                <a:shade val="100000"/>
-                <a:satMod val="130000"/>
-              </a:schemeClr>
-            </a:gs>
-            <a:gs pos="100000">
-              <a:schemeClr val="phClr">
-                <a:tint val="50000"/>
-                <a:shade val="100000"/>
-                <a:satMod val="350000"/>
-              </a:schemeClr>
-            </a:gs>
-          </a:gsLst>
-          <a:lin ang="16200000" scaled="0"/>
-        </a:gradFill>
-      </a:fillStyleLst>
-      <a:lnStyleLst>
-        <a:ln w="9525" cap="flat" cmpd="sng" algn="ctr">
-          <a:solidFill>
-            <a:schemeClr val="phClr">
-              <a:shade val="95000"/>
-              <a:satMod val="105000"/>
-            </a:schemeClr>
-          </a:solidFill>
-          <a:prstDash val="solid"/>
-        </a:ln>
-        <a:ln w="25400" cap="flat" cmpd="sng" algn="ctr">
-          <a:solidFill>
-            <a:schemeClr val="phClr"/>
-          </a:solidFill>
-          <a:prstDash val="solid"/>
-        </a:ln>
-        <a:ln w="38100" cap="flat" cmpd="sng" algn="ctr">
-          <a:solidFill>
-            <a:schemeClr val="phClr"/>
-          </a:solidFill>
-          <a:prstDash val="solid"/>
-        </a:ln>
-      </a:lnStyleLst>
-      <a:effectStyleLst>
-        <a:effectStyle>
-          <a:effectLst>
-            <a:outerShdw blurRad="40000" dist="20000" dir="5400000" rotWithShape="0">
-              <a:srgbClr val="000000">
-                <a:alpha val="38000"/>
-              </a:srgbClr>
-            </a:outerShdw>
-          </a:effectLst>
-        </a:effectStyle>
-        <a:effectStyle>
-          <a:effectLst>
-            <a:outerShdw blurRad="40000" dist="23000" dir="5400000" rotWithShape="0">
-              <a:srgbClr val="000000">
-                <a:alpha val="35000"/>
-              </a:srgbClr>
-            </a:outerShdw>
-          </a:effectLst>
-        </a:effectStyle>
-        <a:effectStyle>
-          <a:effectLst>
-            <a:outerShdw blurRad="40000" dist="23000" dir="5400000" rotWithShape="0">
-              <a:srgbClr val="000000">
-                <a:alpha val="35000"/>
-              </a:srgbClr>
-            </a:outerShdw>
-          </a:effectLst>
-          <a:scene3d>
-            <a:camera prst="orthographicFront">
-              <a:rot lat="0" lon="0" rev="0"/>
-            </a:camera>
-            <a:lightRig rig="threePt" dir="t">
-              <a:rot lat="0" lon="0" rev="1200000"/>
-            </a:lightRig>
-          </a:scene3d>
-          <a:sp3d>
-            <a:bevelT w="63500" h="25400"/>
-          </a:sp3d>
-        </a:effectStyle>
-      </a:effectStyleLst>
-      <a:bgFillStyleLst>
-        <a:solidFill>
-          <a:schemeClr val="phClr"/>
-        </a:solidFill>
-        <a:gradFill rotWithShape="1">
-          <a:gsLst>
-            <a:gs pos="0">
-              <a:schemeClr val="phClr">
-                <a:tint val="40000"/>
-                <a:satMod val="350000"/>
-              </a:schemeClr>
-            </a:gs>
-            <a:gs pos="40000">
-              <a:schemeClr val="phClr">
-                <a:tint val="45000"/>
-                <a:shade val="99000"/>
-                <a:satMod val="350000"/>
-              </a:schemeClr>
-            </a:gs>
-            <a:gs pos="100000">
-              <a:schemeClr val="phClr">
-                <a:shade val="20000"/>
-                <a:satMod val="255000"/>
-              </a:schemeClr>
-            </a:gs>
-          </a:gsLst>
-          <a:path path="circle">
-            <a:fillToRect l="50000" t="-80000" r="50000" b="180000"/>
-          </a:path>
-        </a:gradFill>
-        <a:gradFill rotWithShape="1">
-          <a:gsLst>
-            <a:gs pos="0">
-              <a:schemeClr val="phClr">
-                <a:tint val="80000"/>
-                <a:satMod val="300000"/>
-              </a:schemeClr>
-            </a:gs>
-            <a:gs pos="100000">
-              <a:schemeClr val="phClr">
-                <a:shade val="30000"/>
-                <a:satMod val="200000"/>
-              </a:schemeClr>
-            </a:gs>
-          </a:gsLst>
-          <a:path path="circle">
-            <a:fillToRect l="50000" t="50000" r="50000" b="50000"/>
-          </a:path>
-        </a:gradFill>
-      </a:bgFillStyleLst>
-    </a:fmtScheme>
-  </a:themeElements>
-</a:theme>
 </file>